--- a/FINAL/For Submission/QF604 Econometrics Final v1.7.pptx
+++ b/FINAL/For Submission/QF604 Econometrics Final v1.7.pptx
@@ -17619,7 +17619,7 @@
           <p:nvPr>
             <p:extLst>
               <p:ext uri="{D42A27DB-BD31-4B8C-83A1-F6EECF244321}">
-                <p14:modId xmlns:p14="http://schemas.microsoft.com/office/powerpoint/2010/main" val="3066826453"/>
+                <p14:modId xmlns:p14="http://schemas.microsoft.com/office/powerpoint/2010/main" val="3897181823"/>
               </p:ext>
             </p:extLst>
           </p:nvPr>
@@ -20407,7 +20407,7 @@
                           <a:effectLst/>
                           <a:latin typeface="Century Schoolbook" panose="02040604050505020304" pitchFamily="18" charset="0"/>
                         </a:rPr>
-                        <a:t> Ratio (%)</a:t>
+                        <a:t> Ratio</a:t>
                       </a:r>
                     </a:p>
                   </a:txBody>
@@ -31662,7 +31662,7 @@
           <p:nvPr>
             <p:extLst>
               <p:ext uri="{D42A27DB-BD31-4B8C-83A1-F6EECF244321}">
-                <p14:modId xmlns:p14="http://schemas.microsoft.com/office/powerpoint/2010/main" val="756933583"/>
+                <p14:modId xmlns:p14="http://schemas.microsoft.com/office/powerpoint/2010/main" val="1769290071"/>
               </p:ext>
             </p:extLst>
           </p:nvPr>
@@ -34803,15 +34803,22 @@
                         <a:t>Sortino</a:t>
                       </a:r>
                       <a:r>
-                        <a:rPr lang="en-SG" sz="1000" b="1" i="0" u="none" strike="noStrike" dirty="0">
+                        <a:rPr lang="en-SG" sz="1000" b="1" i="0" u="none" strike="noStrike">
                           <a:solidFill>
                             <a:srgbClr val="000000"/>
                           </a:solidFill>
                           <a:effectLst/>
                           <a:latin typeface="Century Schoolbook" panose="02040604050505020304" pitchFamily="18" charset="0"/>
                         </a:rPr>
-                        <a:t> Ratio (%)</a:t>
-                      </a:r>
+                        <a:t> Ratio</a:t>
+                      </a:r>
+                      <a:endParaRPr lang="en-SG" sz="1000" b="1" i="0" u="none" strike="noStrike" dirty="0">
+                        <a:solidFill>
+                          <a:srgbClr val="000000"/>
+                        </a:solidFill>
+                        <a:effectLst/>
+                        <a:latin typeface="Century Schoolbook" panose="02040604050505020304" pitchFamily="18" charset="0"/>
+                      </a:endParaRPr>
                     </a:p>
                   </a:txBody>
                   <a:tcPr marL="45720" marR="45720" anchor="ctr">
